--- a/pmca(20150929).pptx
+++ b/pmca(20150929).pptx
@@ -288,7 +288,7 @@
           <a:p>
             <a:fld id="{3F7A553A-73A5-7941-881F-29CAB79FF79A}" type="datetimeFigureOut">
               <a:rPr lang="en-US" smtClean="0"/>
-              <a:t>9/29/15</a:t>
+              <a:t>3/25/16</a:t>
             </a:fld>
             <a:endParaRPr lang="en-US"/>
           </a:p>
@@ -458,7 +458,7 @@
           <a:p>
             <a:fld id="{3F7A553A-73A5-7941-881F-29CAB79FF79A}" type="datetimeFigureOut">
               <a:rPr lang="en-US" smtClean="0"/>
-              <a:t>9/29/15</a:t>
+              <a:t>3/25/16</a:t>
             </a:fld>
             <a:endParaRPr lang="en-US"/>
           </a:p>
@@ -638,7 +638,7 @@
           <a:p>
             <a:fld id="{3F7A553A-73A5-7941-881F-29CAB79FF79A}" type="datetimeFigureOut">
               <a:rPr lang="en-US" smtClean="0"/>
-              <a:t>9/29/15</a:t>
+              <a:t>3/25/16</a:t>
             </a:fld>
             <a:endParaRPr lang="en-US"/>
           </a:p>
@@ -808,7 +808,7 @@
           <a:p>
             <a:fld id="{3F7A553A-73A5-7941-881F-29CAB79FF79A}" type="datetimeFigureOut">
               <a:rPr lang="en-US" smtClean="0"/>
-              <a:t>9/29/15</a:t>
+              <a:t>3/25/16</a:t>
             </a:fld>
             <a:endParaRPr lang="en-US"/>
           </a:p>
@@ -1054,7 +1054,7 @@
           <a:p>
             <a:fld id="{3F7A553A-73A5-7941-881F-29CAB79FF79A}" type="datetimeFigureOut">
               <a:rPr lang="en-US" smtClean="0"/>
-              <a:t>9/29/15</a:t>
+              <a:t>3/25/16</a:t>
             </a:fld>
             <a:endParaRPr lang="en-US"/>
           </a:p>
@@ -1342,7 +1342,7 @@
           <a:p>
             <a:fld id="{3F7A553A-73A5-7941-881F-29CAB79FF79A}" type="datetimeFigureOut">
               <a:rPr lang="en-US" smtClean="0"/>
-              <a:t>9/29/15</a:t>
+              <a:t>3/25/16</a:t>
             </a:fld>
             <a:endParaRPr lang="en-US"/>
           </a:p>
@@ -1764,7 +1764,7 @@
           <a:p>
             <a:fld id="{3F7A553A-73A5-7941-881F-29CAB79FF79A}" type="datetimeFigureOut">
               <a:rPr lang="en-US" smtClean="0"/>
-              <a:t>9/29/15</a:t>
+              <a:t>3/25/16</a:t>
             </a:fld>
             <a:endParaRPr lang="en-US"/>
           </a:p>
@@ -1882,7 +1882,7 @@
           <a:p>
             <a:fld id="{3F7A553A-73A5-7941-881F-29CAB79FF79A}" type="datetimeFigureOut">
               <a:rPr lang="en-US" smtClean="0"/>
-              <a:t>9/29/15</a:t>
+              <a:t>3/25/16</a:t>
             </a:fld>
             <a:endParaRPr lang="en-US"/>
           </a:p>
@@ -1977,7 +1977,7 @@
           <a:p>
             <a:fld id="{3F7A553A-73A5-7941-881F-29CAB79FF79A}" type="datetimeFigureOut">
               <a:rPr lang="en-US" smtClean="0"/>
-              <a:t>9/29/15</a:t>
+              <a:t>3/25/16</a:t>
             </a:fld>
             <a:endParaRPr lang="en-US"/>
           </a:p>
@@ -2254,7 +2254,7 @@
           <a:p>
             <a:fld id="{3F7A553A-73A5-7941-881F-29CAB79FF79A}" type="datetimeFigureOut">
               <a:rPr lang="en-US" smtClean="0"/>
-              <a:t>9/29/15</a:t>
+              <a:t>3/25/16</a:t>
             </a:fld>
             <a:endParaRPr lang="en-US"/>
           </a:p>
@@ -2507,7 +2507,7 @@
           <a:p>
             <a:fld id="{3F7A553A-73A5-7941-881F-29CAB79FF79A}" type="datetimeFigureOut">
               <a:rPr lang="en-US" smtClean="0"/>
-              <a:t>9/29/15</a:t>
+              <a:t>3/25/16</a:t>
             </a:fld>
             <a:endParaRPr lang="en-US"/>
           </a:p>
@@ -2720,7 +2720,7 @@
           <a:p>
             <a:fld id="{3F7A553A-73A5-7941-881F-29CAB79FF79A}" type="datetimeFigureOut">
               <a:rPr lang="en-US" smtClean="0"/>
-              <a:t>9/29/15</a:t>
+              <a:t>3/25/16</a:t>
             </a:fld>
             <a:endParaRPr lang="en-US"/>
           </a:p>
